--- a/Slides/C#/1. Introduction to the .NET FRAMEWORK/1. Intoduction to .NET [Autosaved].pptx
+++ b/Slides/C#/1. Introduction to the .NET FRAMEWORK/1. Intoduction to .NET [Autosaved].pptx
@@ -219,7 +219,7 @@
           <a:p>
             <a:fld id="{D212E259-F3DF-4B20-A6F7-DD0F3F5F044C}" type="datetimeFigureOut">
               <a:rPr lang="en-US" smtClean="0"/>
-              <a:t>8/8/2023</a:t>
+              <a:t>11/20/2023</a:t>
             </a:fld>
             <a:endParaRPr lang="en-US"/>
           </a:p>
@@ -27930,7 +27930,15 @@
           <a:p>
             <a:r>
               <a:rPr lang="en-US" dirty="0"/>
-              <a:t>Before C# there were tow languages in the C family :c and </a:t>
+              <a:t>Before C# there </a:t>
+            </a:r>
+            <a:r>
+              <a:rPr lang="en-US"/>
+              <a:t>were two </a:t>
+            </a:r>
+            <a:r>
+              <a:rPr lang="en-US" dirty="0"/>
+              <a:t>languages in the C family :c and </a:t>
             </a:r>
             <a:r>
               <a:rPr lang="en-US" dirty="0" err="1"/>
